--- a/CSS-BoxModel.pptx
+++ b/CSS-BoxModel.pptx
@@ -7,21 +7,23 @@
   <p:sldIdLst>
     <p:sldId id="257" r:id="rId2"/>
     <p:sldId id="258" r:id="rId3"/>
-    <p:sldId id="259" r:id="rId4"/>
-    <p:sldId id="260" r:id="rId5"/>
-    <p:sldId id="261" r:id="rId6"/>
-    <p:sldId id="262" r:id="rId7"/>
-    <p:sldId id="263" r:id="rId8"/>
-    <p:sldId id="264" r:id="rId9"/>
-    <p:sldId id="265" r:id="rId10"/>
-    <p:sldId id="266" r:id="rId11"/>
-    <p:sldId id="267" r:id="rId12"/>
-    <p:sldId id="268" r:id="rId13"/>
-    <p:sldId id="269" r:id="rId14"/>
-    <p:sldId id="270" r:id="rId15"/>
-    <p:sldId id="271" r:id="rId16"/>
-    <p:sldId id="272" r:id="rId17"/>
-    <p:sldId id="273" r:id="rId18"/>
+    <p:sldId id="274" r:id="rId4"/>
+    <p:sldId id="275" r:id="rId5"/>
+    <p:sldId id="259" r:id="rId6"/>
+    <p:sldId id="260" r:id="rId7"/>
+    <p:sldId id="261" r:id="rId8"/>
+    <p:sldId id="262" r:id="rId9"/>
+    <p:sldId id="263" r:id="rId10"/>
+    <p:sldId id="264" r:id="rId11"/>
+    <p:sldId id="265" r:id="rId12"/>
+    <p:sldId id="266" r:id="rId13"/>
+    <p:sldId id="267" r:id="rId14"/>
+    <p:sldId id="268" r:id="rId15"/>
+    <p:sldId id="269" r:id="rId16"/>
+    <p:sldId id="270" r:id="rId17"/>
+    <p:sldId id="271" r:id="rId18"/>
+    <p:sldId id="272" r:id="rId19"/>
+    <p:sldId id="273" r:id="rId20"/>
   </p:sldIdLst>
   <p:sldSz cx="12192000" cy="6858000"/>
   <p:notesSz cx="6858000" cy="9144000"/>
@@ -275,7 +277,7 @@
           <a:p>
             <a:fld id="{2DFB5191-C27B-44AC-A6A9-D726BCF20F95}" type="datetimeFigureOut">
               <a:rPr lang="en-US" smtClean="0"/>
-              <a:t>07/11/2024</a:t>
+              <a:t>08/11/2024</a:t>
             </a:fld>
             <a:endParaRPr lang="en-US"/>
           </a:p>
@@ -473,7 +475,7 @@
           <a:p>
             <a:fld id="{2DFB5191-C27B-44AC-A6A9-D726BCF20F95}" type="datetimeFigureOut">
               <a:rPr lang="en-US" smtClean="0"/>
-              <a:t>07/11/2024</a:t>
+              <a:t>08/11/2024</a:t>
             </a:fld>
             <a:endParaRPr lang="en-US"/>
           </a:p>
@@ -681,7 +683,7 @@
           <a:p>
             <a:fld id="{2DFB5191-C27B-44AC-A6A9-D726BCF20F95}" type="datetimeFigureOut">
               <a:rPr lang="en-US" smtClean="0"/>
-              <a:t>07/11/2024</a:t>
+              <a:t>08/11/2024</a:t>
             </a:fld>
             <a:endParaRPr lang="en-US"/>
           </a:p>
@@ -879,7 +881,7 @@
           <a:p>
             <a:fld id="{2DFB5191-C27B-44AC-A6A9-D726BCF20F95}" type="datetimeFigureOut">
               <a:rPr lang="en-US" smtClean="0"/>
-              <a:t>07/11/2024</a:t>
+              <a:t>08/11/2024</a:t>
             </a:fld>
             <a:endParaRPr lang="en-US"/>
           </a:p>
@@ -1154,7 +1156,7 @@
           <a:p>
             <a:fld id="{2DFB5191-C27B-44AC-A6A9-D726BCF20F95}" type="datetimeFigureOut">
               <a:rPr lang="en-US" smtClean="0"/>
-              <a:t>07/11/2024</a:t>
+              <a:t>08/11/2024</a:t>
             </a:fld>
             <a:endParaRPr lang="en-US"/>
           </a:p>
@@ -1419,7 +1421,7 @@
           <a:p>
             <a:fld id="{2DFB5191-C27B-44AC-A6A9-D726BCF20F95}" type="datetimeFigureOut">
               <a:rPr lang="en-US" smtClean="0"/>
-              <a:t>07/11/2024</a:t>
+              <a:t>08/11/2024</a:t>
             </a:fld>
             <a:endParaRPr lang="en-US"/>
           </a:p>
@@ -1831,7 +1833,7 @@
           <a:p>
             <a:fld id="{2DFB5191-C27B-44AC-A6A9-D726BCF20F95}" type="datetimeFigureOut">
               <a:rPr lang="en-US" smtClean="0"/>
-              <a:t>07/11/2024</a:t>
+              <a:t>08/11/2024</a:t>
             </a:fld>
             <a:endParaRPr lang="en-US"/>
           </a:p>
@@ -1972,7 +1974,7 @@
           <a:p>
             <a:fld id="{2DFB5191-C27B-44AC-A6A9-D726BCF20F95}" type="datetimeFigureOut">
               <a:rPr lang="en-US" smtClean="0"/>
-              <a:t>07/11/2024</a:t>
+              <a:t>08/11/2024</a:t>
             </a:fld>
             <a:endParaRPr lang="en-US"/>
           </a:p>
@@ -2085,7 +2087,7 @@
           <a:p>
             <a:fld id="{2DFB5191-C27B-44AC-A6A9-D726BCF20F95}" type="datetimeFigureOut">
               <a:rPr lang="en-US" smtClean="0"/>
-              <a:t>07/11/2024</a:t>
+              <a:t>08/11/2024</a:t>
             </a:fld>
             <a:endParaRPr lang="en-US"/>
           </a:p>
@@ -2396,7 +2398,7 @@
           <a:p>
             <a:fld id="{2DFB5191-C27B-44AC-A6A9-D726BCF20F95}" type="datetimeFigureOut">
               <a:rPr lang="en-US" smtClean="0"/>
-              <a:t>07/11/2024</a:t>
+              <a:t>08/11/2024</a:t>
             </a:fld>
             <a:endParaRPr lang="en-US"/>
           </a:p>
@@ -2684,7 +2686,7 @@
           <a:p>
             <a:fld id="{2DFB5191-C27B-44AC-A6A9-D726BCF20F95}" type="datetimeFigureOut">
               <a:rPr lang="en-US" smtClean="0"/>
-              <a:t>07/11/2024</a:t>
+              <a:t>08/11/2024</a:t>
             </a:fld>
             <a:endParaRPr lang="en-US"/>
           </a:p>
@@ -2925,7 +2927,7 @@
           <a:p>
             <a:fld id="{2DFB5191-C27B-44AC-A6A9-D726BCF20F95}" type="datetimeFigureOut">
               <a:rPr lang="en-US" smtClean="0"/>
-              <a:t>07/11/2024</a:t>
+              <a:t>08/11/2024</a:t>
             </a:fld>
             <a:endParaRPr lang="en-US"/>
           </a:p>
@@ -3442,7 +3444,7 @@
           <p:cNvPr id="2" name="Title 1">
             <a:extLst>
               <a:ext uri="{FF2B5EF4-FFF2-40B4-BE49-F238E27FC236}">
-                <a16:creationId xmlns:a16="http://schemas.microsoft.com/office/drawing/2014/main" id="{516F6011-7203-420D-892D-85D21EAEBEF9}"/>
+                <a16:creationId xmlns:a16="http://schemas.microsoft.com/office/drawing/2014/main" id="{6091DF72-F7A8-41FA-89B5-2B11B2AAD244}"/>
               </a:ext>
             </a:extLst>
           </p:cNvPr>
@@ -3467,7 +3469,7 @@
           <p:cNvPr id="3" name="Content Placeholder 2">
             <a:extLst>
               <a:ext uri="{FF2B5EF4-FFF2-40B4-BE49-F238E27FC236}">
-                <a16:creationId xmlns:a16="http://schemas.microsoft.com/office/drawing/2014/main" id="{D5C79F79-A25C-4A32-ADC7-825B054C9509}"/>
+                <a16:creationId xmlns:a16="http://schemas.microsoft.com/office/drawing/2014/main" id="{5166C9AB-0652-471D-AF68-26AB549A868F}"/>
               </a:ext>
             </a:extLst>
           </p:cNvPr>
@@ -3490,7 +3492,7 @@
     </p:spTree>
     <p:extLst>
       <p:ext uri="{BB962C8B-B14F-4D97-AF65-F5344CB8AC3E}">
-        <p14:creationId xmlns:p14="http://schemas.microsoft.com/office/powerpoint/2010/main" val="725100931"/>
+        <p14:creationId xmlns:p14="http://schemas.microsoft.com/office/powerpoint/2010/main" val="2864753195"/>
       </p:ext>
     </p:extLst>
   </p:cSld>
@@ -3522,7 +3524,7 @@
           <p:cNvPr id="2" name="Title 1">
             <a:extLst>
               <a:ext uri="{FF2B5EF4-FFF2-40B4-BE49-F238E27FC236}">
-                <a16:creationId xmlns:a16="http://schemas.microsoft.com/office/drawing/2014/main" id="{0B0DD3C4-6A44-4C73-8DDE-EF2577E5C9D3}"/>
+                <a16:creationId xmlns:a16="http://schemas.microsoft.com/office/drawing/2014/main" id="{0AA59443-8760-42E9-BBAE-E23706D10D22}"/>
               </a:ext>
             </a:extLst>
           </p:cNvPr>
@@ -3547,7 +3549,7 @@
           <p:cNvPr id="3" name="Content Placeholder 2">
             <a:extLst>
               <a:ext uri="{FF2B5EF4-FFF2-40B4-BE49-F238E27FC236}">
-                <a16:creationId xmlns:a16="http://schemas.microsoft.com/office/drawing/2014/main" id="{BE84A372-CFD2-4944-827C-105D9DD483B5}"/>
+                <a16:creationId xmlns:a16="http://schemas.microsoft.com/office/drawing/2014/main" id="{1EEDA394-1D7B-45FB-9D22-52E3252F7B6B}"/>
               </a:ext>
             </a:extLst>
           </p:cNvPr>
@@ -3570,7 +3572,7 @@
     </p:spTree>
     <p:extLst>
       <p:ext uri="{BB962C8B-B14F-4D97-AF65-F5344CB8AC3E}">
-        <p14:creationId xmlns:p14="http://schemas.microsoft.com/office/powerpoint/2010/main" val="1251638905"/>
+        <p14:creationId xmlns:p14="http://schemas.microsoft.com/office/powerpoint/2010/main" val="1430686519"/>
       </p:ext>
     </p:extLst>
   </p:cSld>
@@ -3602,7 +3604,7 @@
           <p:cNvPr id="2" name="Title 1">
             <a:extLst>
               <a:ext uri="{FF2B5EF4-FFF2-40B4-BE49-F238E27FC236}">
-                <a16:creationId xmlns:a16="http://schemas.microsoft.com/office/drawing/2014/main" id="{AE45A897-96C8-41E6-94E1-A66D6A66479F}"/>
+                <a16:creationId xmlns:a16="http://schemas.microsoft.com/office/drawing/2014/main" id="{516F6011-7203-420D-892D-85D21EAEBEF9}"/>
               </a:ext>
             </a:extLst>
           </p:cNvPr>
@@ -3627,7 +3629,7 @@
           <p:cNvPr id="3" name="Content Placeholder 2">
             <a:extLst>
               <a:ext uri="{FF2B5EF4-FFF2-40B4-BE49-F238E27FC236}">
-                <a16:creationId xmlns:a16="http://schemas.microsoft.com/office/drawing/2014/main" id="{90EB5E24-3451-475A-A541-30F66BD7E655}"/>
+                <a16:creationId xmlns:a16="http://schemas.microsoft.com/office/drawing/2014/main" id="{D5C79F79-A25C-4A32-ADC7-825B054C9509}"/>
               </a:ext>
             </a:extLst>
           </p:cNvPr>
@@ -3650,7 +3652,7 @@
     </p:spTree>
     <p:extLst>
       <p:ext uri="{BB962C8B-B14F-4D97-AF65-F5344CB8AC3E}">
-        <p14:creationId xmlns:p14="http://schemas.microsoft.com/office/powerpoint/2010/main" val="1855338448"/>
+        <p14:creationId xmlns:p14="http://schemas.microsoft.com/office/powerpoint/2010/main" val="725100931"/>
       </p:ext>
     </p:extLst>
   </p:cSld>
@@ -3682,7 +3684,7 @@
           <p:cNvPr id="2" name="Title 1">
             <a:extLst>
               <a:ext uri="{FF2B5EF4-FFF2-40B4-BE49-F238E27FC236}">
-                <a16:creationId xmlns:a16="http://schemas.microsoft.com/office/drawing/2014/main" id="{D45A02F0-236F-4FC7-8406-F5E73474D942}"/>
+                <a16:creationId xmlns:a16="http://schemas.microsoft.com/office/drawing/2014/main" id="{0B0DD3C4-6A44-4C73-8DDE-EF2577E5C9D3}"/>
               </a:ext>
             </a:extLst>
           </p:cNvPr>
@@ -3707,7 +3709,7 @@
           <p:cNvPr id="3" name="Content Placeholder 2">
             <a:extLst>
               <a:ext uri="{FF2B5EF4-FFF2-40B4-BE49-F238E27FC236}">
-                <a16:creationId xmlns:a16="http://schemas.microsoft.com/office/drawing/2014/main" id="{CC9EB438-7A65-4BFF-AA83-E40322036520}"/>
+                <a16:creationId xmlns:a16="http://schemas.microsoft.com/office/drawing/2014/main" id="{BE84A372-CFD2-4944-827C-105D9DD483B5}"/>
               </a:ext>
             </a:extLst>
           </p:cNvPr>
@@ -3730,7 +3732,7 @@
     </p:spTree>
     <p:extLst>
       <p:ext uri="{BB962C8B-B14F-4D97-AF65-F5344CB8AC3E}">
-        <p14:creationId xmlns:p14="http://schemas.microsoft.com/office/powerpoint/2010/main" val="761629217"/>
+        <p14:creationId xmlns:p14="http://schemas.microsoft.com/office/powerpoint/2010/main" val="1251638905"/>
       </p:ext>
     </p:extLst>
   </p:cSld>
@@ -3762,7 +3764,7 @@
           <p:cNvPr id="2" name="Title 1">
             <a:extLst>
               <a:ext uri="{FF2B5EF4-FFF2-40B4-BE49-F238E27FC236}">
-                <a16:creationId xmlns:a16="http://schemas.microsoft.com/office/drawing/2014/main" id="{BF46E9E0-498F-4F51-A17B-D1B96C4333C7}"/>
+                <a16:creationId xmlns:a16="http://schemas.microsoft.com/office/drawing/2014/main" id="{AE45A897-96C8-41E6-94E1-A66D6A66479F}"/>
               </a:ext>
             </a:extLst>
           </p:cNvPr>
@@ -3787,7 +3789,7 @@
           <p:cNvPr id="3" name="Content Placeholder 2">
             <a:extLst>
               <a:ext uri="{FF2B5EF4-FFF2-40B4-BE49-F238E27FC236}">
-                <a16:creationId xmlns:a16="http://schemas.microsoft.com/office/drawing/2014/main" id="{1B404F0E-76AC-4154-95E0-F7AA4F7DAC80}"/>
+                <a16:creationId xmlns:a16="http://schemas.microsoft.com/office/drawing/2014/main" id="{90EB5E24-3451-475A-A541-30F66BD7E655}"/>
               </a:ext>
             </a:extLst>
           </p:cNvPr>
@@ -3810,7 +3812,7 @@
     </p:spTree>
     <p:extLst>
       <p:ext uri="{BB962C8B-B14F-4D97-AF65-F5344CB8AC3E}">
-        <p14:creationId xmlns:p14="http://schemas.microsoft.com/office/powerpoint/2010/main" val="1388038159"/>
+        <p14:creationId xmlns:p14="http://schemas.microsoft.com/office/powerpoint/2010/main" val="1855338448"/>
       </p:ext>
     </p:extLst>
   </p:cSld>
@@ -3842,7 +3844,7 @@
           <p:cNvPr id="2" name="Title 1">
             <a:extLst>
               <a:ext uri="{FF2B5EF4-FFF2-40B4-BE49-F238E27FC236}">
-                <a16:creationId xmlns:a16="http://schemas.microsoft.com/office/drawing/2014/main" id="{9A75A5B4-8CBA-4006-B761-D88933BCBBAE}"/>
+                <a16:creationId xmlns:a16="http://schemas.microsoft.com/office/drawing/2014/main" id="{D45A02F0-236F-4FC7-8406-F5E73474D942}"/>
               </a:ext>
             </a:extLst>
           </p:cNvPr>
@@ -3867,7 +3869,7 @@
           <p:cNvPr id="3" name="Content Placeholder 2">
             <a:extLst>
               <a:ext uri="{FF2B5EF4-FFF2-40B4-BE49-F238E27FC236}">
-                <a16:creationId xmlns:a16="http://schemas.microsoft.com/office/drawing/2014/main" id="{72587B05-A2FD-4E13-9E0F-C04FA24661C0}"/>
+                <a16:creationId xmlns:a16="http://schemas.microsoft.com/office/drawing/2014/main" id="{CC9EB438-7A65-4BFF-AA83-E40322036520}"/>
               </a:ext>
             </a:extLst>
           </p:cNvPr>
@@ -3890,7 +3892,7 @@
     </p:spTree>
     <p:extLst>
       <p:ext uri="{BB962C8B-B14F-4D97-AF65-F5344CB8AC3E}">
-        <p14:creationId xmlns:p14="http://schemas.microsoft.com/office/powerpoint/2010/main" val="2190414454"/>
+        <p14:creationId xmlns:p14="http://schemas.microsoft.com/office/powerpoint/2010/main" val="761629217"/>
       </p:ext>
     </p:extLst>
   </p:cSld>
@@ -3922,6 +3924,166 @@
           <p:cNvPr id="2" name="Title 1">
             <a:extLst>
               <a:ext uri="{FF2B5EF4-FFF2-40B4-BE49-F238E27FC236}">
+                <a16:creationId xmlns:a16="http://schemas.microsoft.com/office/drawing/2014/main" id="{BF46E9E0-498F-4F51-A17B-D1B96C4333C7}"/>
+              </a:ext>
+            </a:extLst>
+          </p:cNvPr>
+          <p:cNvSpPr>
+            <a:spLocks noGrp="1"/>
+          </p:cNvSpPr>
+          <p:nvPr>
+            <p:ph type="title"/>
+          </p:nvPr>
+        </p:nvSpPr>
+        <p:spPr/>
+        <p:txBody>
+          <a:bodyPr/>
+          <a:lstStyle/>
+          <a:p>
+            <a:endParaRPr lang="en-US"/>
+          </a:p>
+        </p:txBody>
+      </p:sp>
+      <p:sp>
+        <p:nvSpPr>
+          <p:cNvPr id="3" name="Content Placeholder 2">
+            <a:extLst>
+              <a:ext uri="{FF2B5EF4-FFF2-40B4-BE49-F238E27FC236}">
+                <a16:creationId xmlns:a16="http://schemas.microsoft.com/office/drawing/2014/main" id="{1B404F0E-76AC-4154-95E0-F7AA4F7DAC80}"/>
+              </a:ext>
+            </a:extLst>
+          </p:cNvPr>
+          <p:cNvSpPr>
+            <a:spLocks noGrp="1"/>
+          </p:cNvSpPr>
+          <p:nvPr>
+            <p:ph idx="1"/>
+          </p:nvPr>
+        </p:nvSpPr>
+        <p:spPr/>
+        <p:txBody>
+          <a:bodyPr/>
+          <a:lstStyle/>
+          <a:p>
+            <a:endParaRPr lang="en-US"/>
+          </a:p>
+        </p:txBody>
+      </p:sp>
+    </p:spTree>
+    <p:extLst>
+      <p:ext uri="{BB962C8B-B14F-4D97-AF65-F5344CB8AC3E}">
+        <p14:creationId xmlns:p14="http://schemas.microsoft.com/office/powerpoint/2010/main" val="1388038159"/>
+      </p:ext>
+    </p:extLst>
+  </p:cSld>
+  <p:clrMapOvr>
+    <a:masterClrMapping/>
+  </p:clrMapOvr>
+</p:sld>
+</file>
+
+<file path=ppt/slides/slide17.xml><?xml version="1.0" encoding="utf-8"?>
+<p:sld xmlns:a="http://schemas.openxmlformats.org/drawingml/2006/main" xmlns:r="http://schemas.openxmlformats.org/officeDocument/2006/relationships" xmlns:p="http://schemas.openxmlformats.org/presentationml/2006/main">
+  <p:cSld>
+    <p:spTree>
+      <p:nvGrpSpPr>
+        <p:cNvPr id="1" name=""/>
+        <p:cNvGrpSpPr/>
+        <p:nvPr/>
+      </p:nvGrpSpPr>
+      <p:grpSpPr>
+        <a:xfrm>
+          <a:off x="0" y="0"/>
+          <a:ext cx="0" cy="0"/>
+          <a:chOff x="0" y="0"/>
+          <a:chExt cx="0" cy="0"/>
+        </a:xfrm>
+      </p:grpSpPr>
+      <p:sp>
+        <p:nvSpPr>
+          <p:cNvPr id="2" name="Title 1">
+            <a:extLst>
+              <a:ext uri="{FF2B5EF4-FFF2-40B4-BE49-F238E27FC236}">
+                <a16:creationId xmlns:a16="http://schemas.microsoft.com/office/drawing/2014/main" id="{9A75A5B4-8CBA-4006-B761-D88933BCBBAE}"/>
+              </a:ext>
+            </a:extLst>
+          </p:cNvPr>
+          <p:cNvSpPr>
+            <a:spLocks noGrp="1"/>
+          </p:cNvSpPr>
+          <p:nvPr>
+            <p:ph type="title"/>
+          </p:nvPr>
+        </p:nvSpPr>
+        <p:spPr/>
+        <p:txBody>
+          <a:bodyPr/>
+          <a:lstStyle/>
+          <a:p>
+            <a:endParaRPr lang="en-US"/>
+          </a:p>
+        </p:txBody>
+      </p:sp>
+      <p:sp>
+        <p:nvSpPr>
+          <p:cNvPr id="3" name="Content Placeholder 2">
+            <a:extLst>
+              <a:ext uri="{FF2B5EF4-FFF2-40B4-BE49-F238E27FC236}">
+                <a16:creationId xmlns:a16="http://schemas.microsoft.com/office/drawing/2014/main" id="{72587B05-A2FD-4E13-9E0F-C04FA24661C0}"/>
+              </a:ext>
+            </a:extLst>
+          </p:cNvPr>
+          <p:cNvSpPr>
+            <a:spLocks noGrp="1"/>
+          </p:cNvSpPr>
+          <p:nvPr>
+            <p:ph idx="1"/>
+          </p:nvPr>
+        </p:nvSpPr>
+        <p:spPr/>
+        <p:txBody>
+          <a:bodyPr/>
+          <a:lstStyle/>
+          <a:p>
+            <a:endParaRPr lang="en-US"/>
+          </a:p>
+        </p:txBody>
+      </p:sp>
+    </p:spTree>
+    <p:extLst>
+      <p:ext uri="{BB962C8B-B14F-4D97-AF65-F5344CB8AC3E}">
+        <p14:creationId xmlns:p14="http://schemas.microsoft.com/office/powerpoint/2010/main" val="2190414454"/>
+      </p:ext>
+    </p:extLst>
+  </p:cSld>
+  <p:clrMapOvr>
+    <a:masterClrMapping/>
+  </p:clrMapOvr>
+</p:sld>
+</file>
+
+<file path=ppt/slides/slide18.xml><?xml version="1.0" encoding="utf-8"?>
+<p:sld xmlns:a="http://schemas.openxmlformats.org/drawingml/2006/main" xmlns:r="http://schemas.openxmlformats.org/officeDocument/2006/relationships" xmlns:p="http://schemas.openxmlformats.org/presentationml/2006/main">
+  <p:cSld>
+    <p:spTree>
+      <p:nvGrpSpPr>
+        <p:cNvPr id="1" name=""/>
+        <p:cNvGrpSpPr/>
+        <p:nvPr/>
+      </p:nvGrpSpPr>
+      <p:grpSpPr>
+        <a:xfrm>
+          <a:off x="0" y="0"/>
+          <a:ext cx="0" cy="0"/>
+          <a:chOff x="0" y="0"/>
+          <a:chExt cx="0" cy="0"/>
+        </a:xfrm>
+      </p:grpSpPr>
+      <p:sp>
+        <p:nvSpPr>
+          <p:cNvPr id="2" name="Title 1">
+            <a:extLst>
+              <a:ext uri="{FF2B5EF4-FFF2-40B4-BE49-F238E27FC236}">
                 <a16:creationId xmlns:a16="http://schemas.microsoft.com/office/drawing/2014/main" id="{7188B84D-5E3B-4BB8-879B-5207A4C4E422}"/>
               </a:ext>
             </a:extLst>
@@ -3980,7 +4142,7 @@
 </p:sld>
 </file>
 
-<file path=ppt/slides/slide17.xml><?xml version="1.0" encoding="utf-8"?>
+<file path=ppt/slides/slide19.xml><?xml version="1.0" encoding="utf-8"?>
 <p:sld xmlns:a="http://schemas.openxmlformats.org/drawingml/2006/main" xmlns:r="http://schemas.openxmlformats.org/officeDocument/2006/relationships" xmlns:p="http://schemas.openxmlformats.org/presentationml/2006/main">
   <p:cSld>
     <p:spTree>
@@ -4137,6 +4299,41 @@
           </a:prstGeom>
         </p:spPr>
       </p:pic>
+      <p:sp>
+        <p:nvSpPr>
+          <p:cNvPr id="2" name="TextBox 1">
+            <a:extLst>
+              <a:ext uri="{FF2B5EF4-FFF2-40B4-BE49-F238E27FC236}">
+                <a16:creationId xmlns:a16="http://schemas.microsoft.com/office/drawing/2014/main" id="{9C521E46-2214-4EA8-B2D2-9066E4A480CD}"/>
+              </a:ext>
+            </a:extLst>
+          </p:cNvPr>
+          <p:cNvSpPr txBox="1"/>
+          <p:nvPr/>
+        </p:nvSpPr>
+        <p:spPr>
+          <a:xfrm>
+            <a:off x="8362765" y="408373"/>
+            <a:ext cx="3527394" cy="369332"/>
+          </a:xfrm>
+          <a:prstGeom prst="rect">
+            <a:avLst/>
+          </a:prstGeom>
+          <a:noFill/>
+        </p:spPr>
+        <p:txBody>
+          <a:bodyPr wrap="square" rtlCol="0">
+            <a:spAutoFit/>
+          </a:bodyPr>
+          <a:lstStyle/>
+          <a:p>
+            <a:r>
+              <a:rPr lang="en-US"/>
+              <a:t>Opcacity thì tính theo phần trăm.</a:t>
+            </a:r>
+          </a:p>
+        </p:txBody>
+      </p:sp>
     </p:spTree>
     <p:extLst>
       <p:ext uri="{BB962C8B-B14F-4D97-AF65-F5344CB8AC3E}">
@@ -4167,12 +4364,47 @@
           <a:chExt cx="0" cy="0"/>
         </a:xfrm>
       </p:grpSpPr>
+      <p:sp>
+        <p:nvSpPr>
+          <p:cNvPr id="2" name="Title 1">
+            <a:extLst>
+              <a:ext uri="{FF2B5EF4-FFF2-40B4-BE49-F238E27FC236}">
+                <a16:creationId xmlns:a16="http://schemas.microsoft.com/office/drawing/2014/main" id="{856CB376-98A7-4309-8D07-0912FAC1E91B}"/>
+              </a:ext>
+            </a:extLst>
+          </p:cNvPr>
+          <p:cNvSpPr>
+            <a:spLocks noGrp="1"/>
+          </p:cNvSpPr>
+          <p:nvPr>
+            <p:ph type="title"/>
+          </p:nvPr>
+        </p:nvSpPr>
+        <p:spPr>
+          <a:xfrm>
+            <a:off x="363986" y="0"/>
+            <a:ext cx="11017188" cy="648070"/>
+          </a:xfrm>
+        </p:spPr>
+        <p:txBody>
+          <a:bodyPr>
+            <a:normAutofit fontScale="90000"/>
+          </a:bodyPr>
+          <a:lstStyle/>
+          <a:p>
+            <a:r>
+              <a:rPr lang="en-US"/>
+              <a:t>Thuộc tính Display-None: Xóa phần tử khỏi giao diện.</a:t>
+            </a:r>
+          </a:p>
+        </p:txBody>
+      </p:sp>
       <p:pic>
         <p:nvPicPr>
           <p:cNvPr id="4" name="Picture 3">
             <a:extLst>
               <a:ext uri="{FF2B5EF4-FFF2-40B4-BE49-F238E27FC236}">
-                <a16:creationId xmlns:a16="http://schemas.microsoft.com/office/drawing/2014/main" id="{76261D2E-A5D7-4BF9-9FEB-18CB61295501}"/>
+                <a16:creationId xmlns:a16="http://schemas.microsoft.com/office/drawing/2014/main" id="{516D831B-1134-448E-8F3A-23FB9D8D62C8}"/>
               </a:ext>
             </a:extLst>
           </p:cNvPr>
@@ -4189,8 +4421,8 @@
         </p:blipFill>
         <p:spPr>
           <a:xfrm>
-            <a:off x="184944" y="176390"/>
-            <a:ext cx="10867754" cy="6277678"/>
+            <a:off x="438705" y="999563"/>
+            <a:ext cx="10036946" cy="5134907"/>
           </a:xfrm>
           <a:prstGeom prst="rect">
             <a:avLst/>
@@ -4200,7 +4432,7 @@
     </p:spTree>
     <p:extLst>
       <p:ext uri="{BB962C8B-B14F-4D97-AF65-F5344CB8AC3E}">
-        <p14:creationId xmlns:p14="http://schemas.microsoft.com/office/powerpoint/2010/main" val="2024210433"/>
+        <p14:creationId xmlns:p14="http://schemas.microsoft.com/office/powerpoint/2010/main" val="2976366450"/>
       </p:ext>
     </p:extLst>
   </p:cSld>
@@ -4232,7 +4464,7 @@
           <p:cNvPr id="4" name="Picture 3">
             <a:extLst>
               <a:ext uri="{FF2B5EF4-FFF2-40B4-BE49-F238E27FC236}">
-                <a16:creationId xmlns:a16="http://schemas.microsoft.com/office/drawing/2014/main" id="{266012C0-C876-43F9-983F-8A5F5D3B4FFB}"/>
+                <a16:creationId xmlns:a16="http://schemas.microsoft.com/office/drawing/2014/main" id="{6406387D-3D9F-4FB4-9972-F69500C9BF4A}"/>
               </a:ext>
             </a:extLst>
           </p:cNvPr>
@@ -4249,18 +4481,53 @@
         </p:blipFill>
         <p:spPr>
           <a:xfrm>
-            <a:off x="266738" y="257452"/>
-            <a:ext cx="11283109" cy="5992427"/>
+            <a:off x="451739" y="839580"/>
+            <a:ext cx="11288522" cy="5676629"/>
           </a:xfrm>
           <a:prstGeom prst="rect">
             <a:avLst/>
           </a:prstGeom>
         </p:spPr>
       </p:pic>
+      <p:sp>
+        <p:nvSpPr>
+          <p:cNvPr id="5" name="TextBox 4">
+            <a:extLst>
+              <a:ext uri="{FF2B5EF4-FFF2-40B4-BE49-F238E27FC236}">
+                <a16:creationId xmlns:a16="http://schemas.microsoft.com/office/drawing/2014/main" id="{D88555EF-ED44-46C4-94F9-A467ADE5D186}"/>
+              </a:ext>
+            </a:extLst>
+          </p:cNvPr>
+          <p:cNvSpPr txBox="1"/>
+          <p:nvPr/>
+        </p:nvSpPr>
+        <p:spPr>
+          <a:xfrm>
+            <a:off x="6220287" y="1926454"/>
+            <a:ext cx="4820575" cy="369332"/>
+          </a:xfrm>
+          <a:prstGeom prst="rect">
+            <a:avLst/>
+          </a:prstGeom>
+          <a:noFill/>
+        </p:spPr>
+        <p:txBody>
+          <a:bodyPr wrap="square" rtlCol="0">
+            <a:spAutoFit/>
+          </a:bodyPr>
+          <a:lstStyle/>
+          <a:p>
+            <a:r>
+              <a:rPr lang="en-US"/>
+              <a:t>Visibility cũng chỉ có 2 chế độ là ẩn hoặc hiện.</a:t>
+            </a:r>
+          </a:p>
+        </p:txBody>
+      </p:sp>
     </p:spTree>
     <p:extLst>
       <p:ext uri="{BB962C8B-B14F-4D97-AF65-F5344CB8AC3E}">
-        <p14:creationId xmlns:p14="http://schemas.microsoft.com/office/powerpoint/2010/main" val="3170926655"/>
+        <p14:creationId xmlns:p14="http://schemas.microsoft.com/office/powerpoint/2010/main" val="1458997454"/>
       </p:ext>
     </p:extLst>
   </p:cSld>
@@ -4287,70 +4554,476 @@
           <a:chExt cx="0" cy="0"/>
         </a:xfrm>
       </p:grpSpPr>
-      <p:sp>
-        <p:nvSpPr>
-          <p:cNvPr id="2" name="Title 1">
-            <a:extLst>
-              <a:ext uri="{FF2B5EF4-FFF2-40B4-BE49-F238E27FC236}">
-                <a16:creationId xmlns:a16="http://schemas.microsoft.com/office/drawing/2014/main" id="{BB2E787E-D389-448D-B9A3-FD1078B617BF}"/>
-              </a:ext>
-            </a:extLst>
-          </p:cNvPr>
-          <p:cNvSpPr>
-            <a:spLocks noGrp="1"/>
-          </p:cNvSpPr>
-          <p:nvPr>
-            <p:ph type="title"/>
-          </p:nvPr>
-        </p:nvSpPr>
+      <p:pic>
+        <p:nvPicPr>
+          <p:cNvPr id="4" name="Picture 3">
+            <a:extLst>
+              <a:ext uri="{FF2B5EF4-FFF2-40B4-BE49-F238E27FC236}">
+                <a16:creationId xmlns:a16="http://schemas.microsoft.com/office/drawing/2014/main" id="{76261D2E-A5D7-4BF9-9FEB-18CB61295501}"/>
+              </a:ext>
+            </a:extLst>
+          </p:cNvPr>
+          <p:cNvPicPr>
+            <a:picLocks noChangeAspect="1"/>
+          </p:cNvPicPr>
+          <p:nvPr/>
+        </p:nvPicPr>
+        <p:blipFill>
+          <a:blip r:embed="rId2"/>
+          <a:stretch>
+            <a:fillRect/>
+          </a:stretch>
+        </p:blipFill>
         <p:spPr>
           <a:xfrm>
-            <a:off x="1" y="0"/>
-            <a:ext cx="4021583" cy="681037"/>
+            <a:off x="232293" y="254415"/>
+            <a:ext cx="11542457" cy="6456868"/>
           </a:xfrm>
+          <a:prstGeom prst="rect">
+            <a:avLst/>
+          </a:prstGeom>
         </p:spPr>
-        <p:txBody>
-          <a:bodyPr>
-            <a:normAutofit fontScale="90000"/>
+      </p:pic>
+      <p:cxnSp>
+        <p:nvCxnSpPr>
+          <p:cNvPr id="3" name="Straight Arrow Connector 2">
+            <a:extLst>
+              <a:ext uri="{FF2B5EF4-FFF2-40B4-BE49-F238E27FC236}">
+                <a16:creationId xmlns:a16="http://schemas.microsoft.com/office/drawing/2014/main" id="{ECF741A6-103D-4663-A377-276B99F9612D}"/>
+              </a:ext>
+            </a:extLst>
+          </p:cNvPr>
+          <p:cNvCxnSpPr>
+            <a:cxnSpLocks/>
+          </p:cNvCxnSpPr>
+          <p:nvPr/>
+        </p:nvCxnSpPr>
+        <p:spPr>
+          <a:xfrm flipV="1">
+            <a:off x="7785717" y="1154097"/>
+            <a:ext cx="668041" cy="1464816"/>
+          </a:xfrm>
+          <a:prstGeom prst="straightConnector1">
+            <a:avLst/>
+          </a:prstGeom>
+          <a:ln>
+            <a:tailEnd type="triangle"/>
+          </a:ln>
+        </p:spPr>
+        <p:style>
+          <a:lnRef idx="1">
+            <a:schemeClr val="dk1"/>
+          </a:lnRef>
+          <a:fillRef idx="0">
+            <a:schemeClr val="dk1"/>
+          </a:fillRef>
+          <a:effectRef idx="0">
+            <a:schemeClr val="dk1"/>
+          </a:effectRef>
+          <a:fontRef idx="minor">
+            <a:schemeClr val="tx1"/>
+          </a:fontRef>
+        </p:style>
+      </p:cxnSp>
+      <p:sp>
+        <p:nvSpPr>
+          <p:cNvPr id="6" name="TextBox 5">
+            <a:extLst>
+              <a:ext uri="{FF2B5EF4-FFF2-40B4-BE49-F238E27FC236}">
+                <a16:creationId xmlns:a16="http://schemas.microsoft.com/office/drawing/2014/main" id="{5141F4D9-E1E9-49DC-886C-282B37771EA7}"/>
+              </a:ext>
+            </a:extLst>
+          </p:cNvPr>
+          <p:cNvSpPr txBox="1"/>
+          <p:nvPr/>
+        </p:nvSpPr>
+        <p:spPr>
+          <a:xfrm>
+            <a:off x="8453758" y="507766"/>
+            <a:ext cx="3124940" cy="646331"/>
+          </a:xfrm>
+          <a:prstGeom prst="rect">
+            <a:avLst/>
+          </a:prstGeom>
+          <a:noFill/>
+        </p:spPr>
+        <p:txBody>
+          <a:bodyPr wrap="square" rtlCol="0">
+            <a:spAutoFit/>
           </a:bodyPr>
           <a:lstStyle/>
           <a:p>
             <a:r>
               <a:rPr lang="en-US"/>
-              <a:t>Cần học lại CSS:</a:t>
-            </a:r>
-          </a:p>
-        </p:txBody>
-      </p:sp>
-      <p:sp>
-        <p:nvSpPr>
-          <p:cNvPr id="3" name="Content Placeholder 2">
-            <a:extLst>
-              <a:ext uri="{FF2B5EF4-FFF2-40B4-BE49-F238E27FC236}">
-                <a16:creationId xmlns:a16="http://schemas.microsoft.com/office/drawing/2014/main" id="{C651FCA7-45B8-4B59-A84F-78C2039F9A53}"/>
-              </a:ext>
-            </a:extLst>
-          </p:cNvPr>
-          <p:cNvSpPr>
-            <a:spLocks noGrp="1"/>
-          </p:cNvSpPr>
-          <p:nvPr>
-            <p:ph idx="1"/>
-          </p:nvPr>
-        </p:nvSpPr>
-        <p:spPr/>
-        <p:txBody>
-          <a:bodyPr/>
-          <a:lstStyle/>
-          <a:p>
-            <a:endParaRPr lang="en-US"/>
+              <a:t>Biến mất khỏi giao diện, thẻ code d</a:t>
+            </a:r>
+            <a:r>
+              <a:rPr lang="vi-VN"/>
+              <a:t>ư</a:t>
+            </a:r>
+            <a:r>
+              <a:rPr lang="en-US"/>
+              <a:t>ờng như không tồn tại.</a:t>
+            </a:r>
+          </a:p>
+        </p:txBody>
+      </p:sp>
+      <p:cxnSp>
+        <p:nvCxnSpPr>
+          <p:cNvPr id="11" name="Straight Arrow Connector 10">
+            <a:extLst>
+              <a:ext uri="{FF2B5EF4-FFF2-40B4-BE49-F238E27FC236}">
+                <a16:creationId xmlns:a16="http://schemas.microsoft.com/office/drawing/2014/main" id="{71C87255-D6EF-43B4-896B-45CCBB7EE733}"/>
+              </a:ext>
+            </a:extLst>
+          </p:cNvPr>
+          <p:cNvCxnSpPr/>
+          <p:nvPr/>
+        </p:nvCxnSpPr>
+        <p:spPr>
+          <a:xfrm flipH="1" flipV="1">
+            <a:off x="4634144" y="1580225"/>
+            <a:ext cx="106532" cy="1038688"/>
+          </a:xfrm>
+          <a:prstGeom prst="straightConnector1">
+            <a:avLst/>
+          </a:prstGeom>
+          <a:ln>
+            <a:tailEnd type="triangle"/>
+          </a:ln>
+        </p:spPr>
+        <p:style>
+          <a:lnRef idx="1">
+            <a:schemeClr val="dk1"/>
+          </a:lnRef>
+          <a:fillRef idx="0">
+            <a:schemeClr val="dk1"/>
+          </a:fillRef>
+          <a:effectRef idx="0">
+            <a:schemeClr val="dk1"/>
+          </a:effectRef>
+          <a:fontRef idx="minor">
+            <a:schemeClr val="tx1"/>
+          </a:fontRef>
+        </p:style>
+      </p:cxnSp>
+      <p:sp>
+        <p:nvSpPr>
+          <p:cNvPr id="12" name="TextBox 11">
+            <a:extLst>
+              <a:ext uri="{FF2B5EF4-FFF2-40B4-BE49-F238E27FC236}">
+                <a16:creationId xmlns:a16="http://schemas.microsoft.com/office/drawing/2014/main" id="{FB240304-BCD1-4E22-A1A0-76C7DDAA34C1}"/>
+              </a:ext>
+            </a:extLst>
+          </p:cNvPr>
+          <p:cNvSpPr txBox="1"/>
+          <p:nvPr/>
+        </p:nvSpPr>
+        <p:spPr>
+          <a:xfrm>
+            <a:off x="3426781" y="1003177"/>
+            <a:ext cx="1802167" cy="646331"/>
+          </a:xfrm>
+          <a:prstGeom prst="rect">
+            <a:avLst/>
+          </a:prstGeom>
+          <a:noFill/>
+        </p:spPr>
+        <p:txBody>
+          <a:bodyPr wrap="square" rtlCol="0">
+            <a:spAutoFit/>
+          </a:bodyPr>
+          <a:lstStyle/>
+          <a:p>
+            <a:r>
+              <a:rPr lang="en-US"/>
+              <a:t>Ẩn đi nh</a:t>
+            </a:r>
+            <a:r>
+              <a:rPr lang="vi-VN"/>
+              <a:t>ư</a:t>
+            </a:r>
+            <a:r>
+              <a:rPr lang="en-US"/>
+              <a:t>ng vẫn chiếm vị trí</a:t>
+            </a:r>
+          </a:p>
+        </p:txBody>
+      </p:sp>
+      <p:cxnSp>
+        <p:nvCxnSpPr>
+          <p:cNvPr id="14" name="Straight Arrow Connector 13">
+            <a:extLst>
+              <a:ext uri="{FF2B5EF4-FFF2-40B4-BE49-F238E27FC236}">
+                <a16:creationId xmlns:a16="http://schemas.microsoft.com/office/drawing/2014/main" id="{C9AC95C7-F6E3-4E9C-82D9-5066D151366D}"/>
+              </a:ext>
+            </a:extLst>
+          </p:cNvPr>
+          <p:cNvCxnSpPr>
+            <a:cxnSpLocks/>
+          </p:cNvCxnSpPr>
+          <p:nvPr/>
+        </p:nvCxnSpPr>
+        <p:spPr>
+          <a:xfrm flipH="1" flipV="1">
+            <a:off x="417250" y="3178206"/>
+            <a:ext cx="887767" cy="250794"/>
+          </a:xfrm>
+          <a:prstGeom prst="straightConnector1">
+            <a:avLst/>
+          </a:prstGeom>
+          <a:ln>
+            <a:tailEnd type="triangle"/>
+          </a:ln>
+        </p:spPr>
+        <p:style>
+          <a:lnRef idx="1">
+            <a:schemeClr val="dk1"/>
+          </a:lnRef>
+          <a:fillRef idx="0">
+            <a:schemeClr val="dk1"/>
+          </a:fillRef>
+          <a:effectRef idx="0">
+            <a:schemeClr val="dk1"/>
+          </a:effectRef>
+          <a:fontRef idx="minor">
+            <a:schemeClr val="tx1"/>
+          </a:fontRef>
+        </p:style>
+      </p:cxnSp>
+      <p:cxnSp>
+        <p:nvCxnSpPr>
+          <p:cNvPr id="18" name="Straight Arrow Connector 17">
+            <a:extLst>
+              <a:ext uri="{FF2B5EF4-FFF2-40B4-BE49-F238E27FC236}">
+                <a16:creationId xmlns:a16="http://schemas.microsoft.com/office/drawing/2014/main" id="{E902409A-1E67-47D4-AF95-63EA488F9A0D}"/>
+              </a:ext>
+            </a:extLst>
+          </p:cNvPr>
+          <p:cNvCxnSpPr>
+            <a:cxnSpLocks/>
+          </p:cNvCxnSpPr>
+          <p:nvPr/>
+        </p:nvCxnSpPr>
+        <p:spPr>
+          <a:xfrm>
+            <a:off x="506027" y="3178206"/>
+            <a:ext cx="0" cy="1633491"/>
+          </a:xfrm>
+          <a:prstGeom prst="straightConnector1">
+            <a:avLst/>
+          </a:prstGeom>
+          <a:ln>
+            <a:tailEnd type="triangle"/>
+          </a:ln>
+        </p:spPr>
+        <p:style>
+          <a:lnRef idx="1">
+            <a:schemeClr val="dk1"/>
+          </a:lnRef>
+          <a:fillRef idx="0">
+            <a:schemeClr val="dk1"/>
+          </a:fillRef>
+          <a:effectRef idx="0">
+            <a:schemeClr val="dk1"/>
+          </a:effectRef>
+          <a:fontRef idx="minor">
+            <a:schemeClr val="tx1"/>
+          </a:fontRef>
+        </p:style>
+      </p:cxnSp>
+      <p:sp>
+        <p:nvSpPr>
+          <p:cNvPr id="19" name="TextBox 18">
+            <a:extLst>
+              <a:ext uri="{FF2B5EF4-FFF2-40B4-BE49-F238E27FC236}">
+                <a16:creationId xmlns:a16="http://schemas.microsoft.com/office/drawing/2014/main" id="{7438BEE6-98B8-46F6-B224-397DE603AC55}"/>
+              </a:ext>
+            </a:extLst>
+          </p:cNvPr>
+          <p:cNvSpPr txBox="1"/>
+          <p:nvPr/>
+        </p:nvSpPr>
+        <p:spPr>
+          <a:xfrm>
+            <a:off x="262627" y="4764696"/>
+            <a:ext cx="1779231" cy="646331"/>
+          </a:xfrm>
+          <a:prstGeom prst="rect">
+            <a:avLst/>
+          </a:prstGeom>
+          <a:noFill/>
+        </p:spPr>
+        <p:txBody>
+          <a:bodyPr wrap="square" rtlCol="0">
+            <a:spAutoFit/>
+          </a:bodyPr>
+          <a:lstStyle/>
+          <a:p>
+            <a:r>
+              <a:rPr lang="en-US"/>
+              <a:t>Ẩn cả thẻ con bên trong nó.</a:t>
+            </a:r>
+          </a:p>
+        </p:txBody>
+      </p:sp>
+      <p:cxnSp>
+        <p:nvCxnSpPr>
+          <p:cNvPr id="25" name="Straight Arrow Connector 24">
+            <a:extLst>
+              <a:ext uri="{FF2B5EF4-FFF2-40B4-BE49-F238E27FC236}">
+                <a16:creationId xmlns:a16="http://schemas.microsoft.com/office/drawing/2014/main" id="{BF3655C6-C8BA-420C-B03D-5E42D7A77B1C}"/>
+              </a:ext>
+            </a:extLst>
+          </p:cNvPr>
+          <p:cNvCxnSpPr>
+            <a:cxnSpLocks/>
+          </p:cNvCxnSpPr>
+          <p:nvPr/>
+        </p:nvCxnSpPr>
+        <p:spPr>
+          <a:xfrm flipH="1">
+            <a:off x="1961965" y="3482849"/>
+            <a:ext cx="8265113" cy="2416771"/>
+          </a:xfrm>
+          <a:prstGeom prst="straightConnector1">
+            <a:avLst/>
+          </a:prstGeom>
+          <a:ln>
+            <a:tailEnd type="triangle"/>
+          </a:ln>
+        </p:spPr>
+        <p:style>
+          <a:lnRef idx="1">
+            <a:schemeClr val="dk1"/>
+          </a:lnRef>
+          <a:fillRef idx="0">
+            <a:schemeClr val="dk1"/>
+          </a:fillRef>
+          <a:effectRef idx="0">
+            <a:schemeClr val="dk1"/>
+          </a:effectRef>
+          <a:fontRef idx="minor">
+            <a:schemeClr val="tx1"/>
+          </a:fontRef>
+        </p:style>
+      </p:cxnSp>
+      <p:sp>
+        <p:nvSpPr>
+          <p:cNvPr id="28" name="TextBox 27">
+            <a:extLst>
+              <a:ext uri="{FF2B5EF4-FFF2-40B4-BE49-F238E27FC236}">
+                <a16:creationId xmlns:a16="http://schemas.microsoft.com/office/drawing/2014/main" id="{23B15806-569C-4B35-B2E9-F4FDC2B5AFDA}"/>
+              </a:ext>
+            </a:extLst>
+          </p:cNvPr>
+          <p:cNvSpPr txBox="1"/>
+          <p:nvPr/>
+        </p:nvSpPr>
+        <p:spPr>
+          <a:xfrm>
+            <a:off x="233037" y="5437955"/>
+            <a:ext cx="1906481" cy="923330"/>
+          </a:xfrm>
+          <a:prstGeom prst="rect">
+            <a:avLst/>
+          </a:prstGeom>
+          <a:noFill/>
+        </p:spPr>
+        <p:txBody>
+          <a:bodyPr wrap="square" rtlCol="0">
+            <a:spAutoFit/>
+          </a:bodyPr>
+          <a:lstStyle/>
+          <a:p>
+            <a:r>
+              <a:rPr lang="en-US"/>
+              <a:t>Thẻ bên trong kế thừa thuộc tính của thẻ bên ngoài.</a:t>
+            </a:r>
+          </a:p>
+        </p:txBody>
+      </p:sp>
+      <p:cxnSp>
+        <p:nvCxnSpPr>
+          <p:cNvPr id="36" name="Straight Arrow Connector 35">
+            <a:extLst>
+              <a:ext uri="{FF2B5EF4-FFF2-40B4-BE49-F238E27FC236}">
+                <a16:creationId xmlns:a16="http://schemas.microsoft.com/office/drawing/2014/main" id="{05D53509-F3D9-4DDD-A915-873E8F505A49}"/>
+              </a:ext>
+            </a:extLst>
+          </p:cNvPr>
+          <p:cNvCxnSpPr>
+            <a:cxnSpLocks/>
+            <a:endCxn id="37" idx="1"/>
+          </p:cNvCxnSpPr>
+          <p:nvPr/>
+        </p:nvCxnSpPr>
+        <p:spPr>
+          <a:xfrm>
+            <a:off x="3204839" y="4691234"/>
+            <a:ext cx="3675355" cy="325497"/>
+          </a:xfrm>
+          <a:prstGeom prst="straightConnector1">
+            <a:avLst/>
+          </a:prstGeom>
+          <a:ln>
+            <a:tailEnd type="triangle"/>
+          </a:ln>
+        </p:spPr>
+        <p:style>
+          <a:lnRef idx="1">
+            <a:schemeClr val="dk1"/>
+          </a:lnRef>
+          <a:fillRef idx="0">
+            <a:schemeClr val="dk1"/>
+          </a:fillRef>
+          <a:effectRef idx="0">
+            <a:schemeClr val="dk1"/>
+          </a:effectRef>
+          <a:fontRef idx="minor">
+            <a:schemeClr val="tx1"/>
+          </a:fontRef>
+        </p:style>
+      </p:cxnSp>
+      <p:sp>
+        <p:nvSpPr>
+          <p:cNvPr id="37" name="TextBox 36">
+            <a:extLst>
+              <a:ext uri="{FF2B5EF4-FFF2-40B4-BE49-F238E27FC236}">
+                <a16:creationId xmlns:a16="http://schemas.microsoft.com/office/drawing/2014/main" id="{E8A17488-EB66-4DA2-8D20-F2F20377A096}"/>
+              </a:ext>
+            </a:extLst>
+          </p:cNvPr>
+          <p:cNvSpPr txBox="1"/>
+          <p:nvPr/>
+        </p:nvSpPr>
+        <p:spPr>
+          <a:xfrm>
+            <a:off x="6880194" y="4832065"/>
+            <a:ext cx="4951523" cy="369332"/>
+          </a:xfrm>
+          <a:prstGeom prst="rect">
+            <a:avLst/>
+          </a:prstGeom>
+          <a:noFill/>
+        </p:spPr>
+        <p:txBody>
+          <a:bodyPr wrap="square" rtlCol="0">
+            <a:spAutoFit/>
+          </a:bodyPr>
+          <a:lstStyle/>
+          <a:p>
+            <a:r>
+              <a:rPr lang="en-US"/>
+              <a:t>Hiệu ứng:</a:t>
+            </a:r>
           </a:p>
         </p:txBody>
       </p:sp>
     </p:spTree>
     <p:extLst>
       <p:ext uri="{BB962C8B-B14F-4D97-AF65-F5344CB8AC3E}">
-        <p14:creationId xmlns:p14="http://schemas.microsoft.com/office/powerpoint/2010/main" val="3789826595"/>
+        <p14:creationId xmlns:p14="http://schemas.microsoft.com/office/powerpoint/2010/main" val="2024210433"/>
       </p:ext>
     </p:extLst>
   </p:cSld>
@@ -4377,60 +5050,40 @@
           <a:chExt cx="0" cy="0"/>
         </a:xfrm>
       </p:grpSpPr>
-      <p:sp>
-        <p:nvSpPr>
-          <p:cNvPr id="2" name="Title 1">
-            <a:extLst>
-              <a:ext uri="{FF2B5EF4-FFF2-40B4-BE49-F238E27FC236}">
-                <a16:creationId xmlns:a16="http://schemas.microsoft.com/office/drawing/2014/main" id="{FE732907-4A2A-45A5-9AA5-592CFFD1CB6E}"/>
-              </a:ext>
-            </a:extLst>
-          </p:cNvPr>
-          <p:cNvSpPr>
-            <a:spLocks noGrp="1"/>
-          </p:cNvSpPr>
-          <p:nvPr>
-            <p:ph type="title"/>
-          </p:nvPr>
-        </p:nvSpPr>
-        <p:spPr/>
-        <p:txBody>
-          <a:bodyPr/>
-          <a:lstStyle/>
-          <a:p>
-            <a:endParaRPr lang="en-US"/>
-          </a:p>
-        </p:txBody>
-      </p:sp>
-      <p:sp>
-        <p:nvSpPr>
-          <p:cNvPr id="3" name="Content Placeholder 2">
-            <a:extLst>
-              <a:ext uri="{FF2B5EF4-FFF2-40B4-BE49-F238E27FC236}">
-                <a16:creationId xmlns:a16="http://schemas.microsoft.com/office/drawing/2014/main" id="{3A865D20-27D4-4AA6-8D42-A3E554FC05EC}"/>
-              </a:ext>
-            </a:extLst>
-          </p:cNvPr>
-          <p:cNvSpPr>
-            <a:spLocks noGrp="1"/>
-          </p:cNvSpPr>
-          <p:nvPr>
-            <p:ph idx="1"/>
-          </p:nvPr>
-        </p:nvSpPr>
-        <p:spPr/>
-        <p:txBody>
-          <a:bodyPr/>
-          <a:lstStyle/>
-          <a:p>
-            <a:endParaRPr lang="en-US"/>
-          </a:p>
-        </p:txBody>
-      </p:sp>
+      <p:pic>
+        <p:nvPicPr>
+          <p:cNvPr id="4" name="Picture 3">
+            <a:extLst>
+              <a:ext uri="{FF2B5EF4-FFF2-40B4-BE49-F238E27FC236}">
+                <a16:creationId xmlns:a16="http://schemas.microsoft.com/office/drawing/2014/main" id="{266012C0-C876-43F9-983F-8A5F5D3B4FFB}"/>
+              </a:ext>
+            </a:extLst>
+          </p:cNvPr>
+          <p:cNvPicPr>
+            <a:picLocks noChangeAspect="1"/>
+          </p:cNvPicPr>
+          <p:nvPr/>
+        </p:nvPicPr>
+        <p:blipFill>
+          <a:blip r:embed="rId2"/>
+          <a:stretch>
+            <a:fillRect/>
+          </a:stretch>
+        </p:blipFill>
+        <p:spPr>
+          <a:xfrm>
+            <a:off x="275615" y="255232"/>
+            <a:ext cx="11451787" cy="5992427"/>
+          </a:xfrm>
+          <a:prstGeom prst="rect">
+            <a:avLst/>
+          </a:prstGeom>
+        </p:spPr>
+      </p:pic>
     </p:spTree>
     <p:extLst>
       <p:ext uri="{BB962C8B-B14F-4D97-AF65-F5344CB8AC3E}">
-        <p14:creationId xmlns:p14="http://schemas.microsoft.com/office/powerpoint/2010/main" val="798890869"/>
+        <p14:creationId xmlns:p14="http://schemas.microsoft.com/office/powerpoint/2010/main" val="3170926655"/>
       </p:ext>
     </p:extLst>
   </p:cSld>
@@ -4462,7 +5115,7 @@
           <p:cNvPr id="2" name="Title 1">
             <a:extLst>
               <a:ext uri="{FF2B5EF4-FFF2-40B4-BE49-F238E27FC236}">
-                <a16:creationId xmlns:a16="http://schemas.microsoft.com/office/drawing/2014/main" id="{E702D3E2-C200-4169-995B-616E4C703677}"/>
+                <a16:creationId xmlns:a16="http://schemas.microsoft.com/office/drawing/2014/main" id="{BB2E787E-D389-448D-B9A3-FD1078B617BF}"/>
               </a:ext>
             </a:extLst>
           </p:cNvPr>
@@ -4473,12 +5126,22 @@
             <p:ph type="title"/>
           </p:nvPr>
         </p:nvSpPr>
-        <p:spPr/>
-        <p:txBody>
-          <a:bodyPr/>
-          <a:lstStyle/>
-          <a:p>
-            <a:endParaRPr lang="en-US"/>
+        <p:spPr>
+          <a:xfrm>
+            <a:off x="1" y="0"/>
+            <a:ext cx="12191999" cy="585926"/>
+          </a:xfrm>
+        </p:spPr>
+        <p:txBody>
+          <a:bodyPr>
+            <a:normAutofit fontScale="90000"/>
+          </a:bodyPr>
+          <a:lstStyle/>
+          <a:p>
+            <a:r>
+              <a:rPr lang="en-US"/>
+              <a:t>Tình huống để sử dụng Opacity, Display, VISIBILYTY.</a:t>
+            </a:r>
           </a:p>
         </p:txBody>
       </p:sp>
@@ -4487,7 +5150,7 @@
           <p:cNvPr id="3" name="Content Placeholder 2">
             <a:extLst>
               <a:ext uri="{FF2B5EF4-FFF2-40B4-BE49-F238E27FC236}">
-                <a16:creationId xmlns:a16="http://schemas.microsoft.com/office/drawing/2014/main" id="{BAF5C25B-1D98-4F27-BE05-8D00DEBB2B87}"/>
+                <a16:creationId xmlns:a16="http://schemas.microsoft.com/office/drawing/2014/main" id="{C651FCA7-45B8-4B59-A84F-78C2039F9A53}"/>
               </a:ext>
             </a:extLst>
           </p:cNvPr>
@@ -4498,7 +5161,12 @@
             <p:ph idx="1"/>
           </p:nvPr>
         </p:nvSpPr>
-        <p:spPr/>
+        <p:spPr>
+          <a:xfrm>
+            <a:off x="0" y="754602"/>
+            <a:ext cx="12100264" cy="6103398"/>
+          </a:xfrm>
+        </p:spPr>
         <p:txBody>
           <a:bodyPr/>
           <a:lstStyle/>
@@ -4510,7 +5178,7 @@
     </p:spTree>
     <p:extLst>
       <p:ext uri="{BB962C8B-B14F-4D97-AF65-F5344CB8AC3E}">
-        <p14:creationId xmlns:p14="http://schemas.microsoft.com/office/powerpoint/2010/main" val="2155266645"/>
+        <p14:creationId xmlns:p14="http://schemas.microsoft.com/office/powerpoint/2010/main" val="3789826595"/>
       </p:ext>
     </p:extLst>
   </p:cSld>
@@ -4542,7 +5210,7 @@
           <p:cNvPr id="2" name="Title 1">
             <a:extLst>
               <a:ext uri="{FF2B5EF4-FFF2-40B4-BE49-F238E27FC236}">
-                <a16:creationId xmlns:a16="http://schemas.microsoft.com/office/drawing/2014/main" id="{6091DF72-F7A8-41FA-89B5-2B11B2AAD244}"/>
+                <a16:creationId xmlns:a16="http://schemas.microsoft.com/office/drawing/2014/main" id="{FE732907-4A2A-45A5-9AA5-592CFFD1CB6E}"/>
               </a:ext>
             </a:extLst>
           </p:cNvPr>
@@ -4553,44 +5221,99 @@
             <p:ph type="title"/>
           </p:nvPr>
         </p:nvSpPr>
-        <p:spPr/>
-        <p:txBody>
-          <a:bodyPr/>
-          <a:lstStyle/>
-          <a:p>
-            <a:endParaRPr lang="en-US"/>
-          </a:p>
-        </p:txBody>
-      </p:sp>
-      <p:sp>
-        <p:nvSpPr>
-          <p:cNvPr id="3" name="Content Placeholder 2">
-            <a:extLst>
-              <a:ext uri="{FF2B5EF4-FFF2-40B4-BE49-F238E27FC236}">
-                <a16:creationId xmlns:a16="http://schemas.microsoft.com/office/drawing/2014/main" id="{5166C9AB-0652-471D-AF68-26AB549A868F}"/>
-              </a:ext>
-            </a:extLst>
-          </p:cNvPr>
-          <p:cNvSpPr>
-            <a:spLocks noGrp="1"/>
-          </p:cNvSpPr>
+        <p:spPr>
+          <a:xfrm>
+            <a:off x="0" y="0"/>
+            <a:ext cx="12192000" cy="736847"/>
+          </a:xfrm>
+        </p:spPr>
+        <p:txBody>
+          <a:bodyPr>
+            <a:normAutofit fontScale="90000"/>
+          </a:bodyPr>
+          <a:lstStyle/>
+          <a:p>
+            <a:r>
+              <a:rPr lang="en-US"/>
+              <a:t>Bài 25:Favicon là biểu t</a:t>
+            </a:r>
+            <a:r>
+              <a:rPr lang="vi-VN"/>
+              <a:t>ư</a:t>
+            </a:r>
+            <a:r>
+              <a:rPr lang="en-US"/>
+              <a:t>ợng icon trên Tab của trang Web. </a:t>
+            </a:r>
+          </a:p>
+        </p:txBody>
+      </p:sp>
+      <p:pic>
+        <p:nvPicPr>
+          <p:cNvPr id="4" name="Content Placeholder 3">
+            <a:extLst>
+              <a:ext uri="{FF2B5EF4-FFF2-40B4-BE49-F238E27FC236}">
+                <a16:creationId xmlns:a16="http://schemas.microsoft.com/office/drawing/2014/main" id="{D702AD93-75C9-4EE1-A04D-8ABF316947E9}"/>
+              </a:ext>
+            </a:extLst>
+          </p:cNvPr>
+          <p:cNvPicPr>
+            <a:picLocks noGrp="1" noChangeAspect="1"/>
+          </p:cNvPicPr>
           <p:nvPr>
             <p:ph idx="1"/>
           </p:nvPr>
-        </p:nvSpPr>
-        <p:spPr/>
-        <p:txBody>
-          <a:bodyPr/>
-          <a:lstStyle/>
-          <a:p>
-            <a:endParaRPr lang="en-US"/>
-          </a:p>
-        </p:txBody>
-      </p:sp>
+        </p:nvPicPr>
+        <p:blipFill>
+          <a:blip r:embed="rId2"/>
+          <a:stretch>
+            <a:fillRect/>
+          </a:stretch>
+        </p:blipFill>
+        <p:spPr>
+          <a:xfrm>
+            <a:off x="284416" y="736847"/>
+            <a:ext cx="1877732" cy="556953"/>
+          </a:xfrm>
+          <a:prstGeom prst="rect">
+            <a:avLst/>
+          </a:prstGeom>
+        </p:spPr>
+      </p:pic>
+      <p:pic>
+        <p:nvPicPr>
+          <p:cNvPr id="5" name="Picture 4">
+            <a:extLst>
+              <a:ext uri="{FF2B5EF4-FFF2-40B4-BE49-F238E27FC236}">
+                <a16:creationId xmlns:a16="http://schemas.microsoft.com/office/drawing/2014/main" id="{0B319E67-2198-49E8-AC0B-28F42A2BB215}"/>
+              </a:ext>
+            </a:extLst>
+          </p:cNvPr>
+          <p:cNvPicPr>
+            <a:picLocks noChangeAspect="1"/>
+          </p:cNvPicPr>
+          <p:nvPr/>
+        </p:nvPicPr>
+        <p:blipFill>
+          <a:blip r:embed="rId3"/>
+          <a:stretch>
+            <a:fillRect/>
+          </a:stretch>
+        </p:blipFill>
+        <p:spPr>
+          <a:xfrm>
+            <a:off x="284416" y="1473694"/>
+            <a:ext cx="7554567" cy="5220069"/>
+          </a:xfrm>
+          <a:prstGeom prst="rect">
+            <a:avLst/>
+          </a:prstGeom>
+        </p:spPr>
+      </p:pic>
     </p:spTree>
     <p:extLst>
       <p:ext uri="{BB962C8B-B14F-4D97-AF65-F5344CB8AC3E}">
-        <p14:creationId xmlns:p14="http://schemas.microsoft.com/office/powerpoint/2010/main" val="2864753195"/>
+        <p14:creationId xmlns:p14="http://schemas.microsoft.com/office/powerpoint/2010/main" val="798890869"/>
       </p:ext>
     </p:extLst>
   </p:cSld>
@@ -4622,7 +5345,7 @@
           <p:cNvPr id="2" name="Title 1">
             <a:extLst>
               <a:ext uri="{FF2B5EF4-FFF2-40B4-BE49-F238E27FC236}">
-                <a16:creationId xmlns:a16="http://schemas.microsoft.com/office/drawing/2014/main" id="{0AA59443-8760-42E9-BBAE-E23706D10D22}"/>
+                <a16:creationId xmlns:a16="http://schemas.microsoft.com/office/drawing/2014/main" id="{E702D3E2-C200-4169-995B-616E4C703677}"/>
               </a:ext>
             </a:extLst>
           </p:cNvPr>
@@ -4647,7 +5370,7 @@
           <p:cNvPr id="3" name="Content Placeholder 2">
             <a:extLst>
               <a:ext uri="{FF2B5EF4-FFF2-40B4-BE49-F238E27FC236}">
-                <a16:creationId xmlns:a16="http://schemas.microsoft.com/office/drawing/2014/main" id="{1EEDA394-1D7B-45FB-9D22-52E3252F7B6B}"/>
+                <a16:creationId xmlns:a16="http://schemas.microsoft.com/office/drawing/2014/main" id="{BAF5C25B-1D98-4F27-BE05-8D00DEBB2B87}"/>
               </a:ext>
             </a:extLst>
           </p:cNvPr>
@@ -4670,7 +5393,7 @@
     </p:spTree>
     <p:extLst>
       <p:ext uri="{BB962C8B-B14F-4D97-AF65-F5344CB8AC3E}">
-        <p14:creationId xmlns:p14="http://schemas.microsoft.com/office/powerpoint/2010/main" val="1430686519"/>
+        <p14:creationId xmlns:p14="http://schemas.microsoft.com/office/powerpoint/2010/main" val="2155266645"/>
       </p:ext>
     </p:extLst>
   </p:cSld>
